--- a/PresentaciónCS.pptx
+++ b/PresentaciónCS.pptx
@@ -252,7 +252,7 @@
           <a:p>
             <a:fld id="{8DEA2CF1-0EB2-4673-802D-3371233E4A77}" type="datetime2">
               <a:rPr lang="en-US" smtClean="0"/>
-              <a:t>Sunday, March 21, 2021</a:t>
+              <a:t>Tuesday, March 23, 2021</a:t>
             </a:fld>
             <a:endParaRPr lang="en-US" dirty="0"/>
           </a:p>
@@ -429,7 +429,7 @@
           <a:p>
             <a:fld id="{8DEA2CF1-0EB2-4673-802D-3371233E4A77}" type="datetime2">
               <a:rPr lang="en-US" smtClean="0"/>
-              <a:t>Sunday, March 21, 2021</a:t>
+              <a:t>Tuesday, March 23, 2021</a:t>
             </a:fld>
             <a:endParaRPr lang="en-US" dirty="0"/>
           </a:p>
@@ -616,7 +616,7 @@
           <a:p>
             <a:fld id="{8DEA2CF1-0EB2-4673-802D-3371233E4A77}" type="datetime2">
               <a:rPr lang="en-US" smtClean="0"/>
-              <a:t>Sunday, March 21, 2021</a:t>
+              <a:t>Tuesday, March 23, 2021</a:t>
             </a:fld>
             <a:endParaRPr lang="en-US" dirty="0"/>
           </a:p>
@@ -793,7 +793,7 @@
           <a:p>
             <a:fld id="{8DEA2CF1-0EB2-4673-802D-3371233E4A77}" type="datetime2">
               <a:rPr lang="en-US" smtClean="0"/>
-              <a:t>Sunday, March 21, 2021</a:t>
+              <a:t>Tuesday, March 23, 2021</a:t>
             </a:fld>
             <a:endParaRPr lang="en-US" dirty="0"/>
           </a:p>
@@ -1046,7 +1046,7 @@
           <a:p>
             <a:fld id="{8DEA2CF1-0EB2-4673-802D-3371233E4A77}" type="datetime2">
               <a:rPr lang="en-US" smtClean="0"/>
-              <a:t>Sunday, March 21, 2021</a:t>
+              <a:t>Tuesday, March 23, 2021</a:t>
             </a:fld>
             <a:endParaRPr lang="en-US" dirty="0"/>
           </a:p>
@@ -1285,7 +1285,7 @@
           <a:p>
             <a:fld id="{8DEA2CF1-0EB2-4673-802D-3371233E4A77}" type="datetime2">
               <a:rPr lang="en-US" smtClean="0"/>
-              <a:t>Sunday, March 21, 2021</a:t>
+              <a:t>Tuesday, March 23, 2021</a:t>
             </a:fld>
             <a:endParaRPr lang="en-US" dirty="0"/>
           </a:p>
@@ -1659,7 +1659,7 @@
           <a:p>
             <a:fld id="{8DEA2CF1-0EB2-4673-802D-3371233E4A77}" type="datetime2">
               <a:rPr lang="en-US" smtClean="0"/>
-              <a:t>Sunday, March 21, 2021</a:t>
+              <a:t>Tuesday, March 23, 2021</a:t>
             </a:fld>
             <a:endParaRPr lang="en-US" dirty="0"/>
           </a:p>
@@ -1784,7 +1784,7 @@
           <a:p>
             <a:fld id="{8DEA2CF1-0EB2-4673-802D-3371233E4A77}" type="datetime2">
               <a:rPr lang="en-US" smtClean="0"/>
-              <a:t>Sunday, March 21, 2021</a:t>
+              <a:t>Tuesday, March 23, 2021</a:t>
             </a:fld>
             <a:endParaRPr lang="en-US" dirty="0"/>
           </a:p>
@@ -1886,7 +1886,7 @@
           <a:p>
             <a:fld id="{8DEA2CF1-0EB2-4673-802D-3371233E4A77}" type="datetime2">
               <a:rPr lang="en-US" smtClean="0"/>
-              <a:t>Sunday, March 21, 2021</a:t>
+              <a:t>Tuesday, March 23, 2021</a:t>
             </a:fld>
             <a:endParaRPr lang="en-US" dirty="0"/>
           </a:p>
@@ -2170,7 +2170,7 @@
           <a:p>
             <a:fld id="{8DEA2CF1-0EB2-4673-802D-3371233E4A77}" type="datetime2">
               <a:rPr lang="en-US" smtClean="0"/>
-              <a:t>Sunday, March 21, 2021</a:t>
+              <a:t>Tuesday, March 23, 2021</a:t>
             </a:fld>
             <a:endParaRPr lang="en-US" dirty="0"/>
           </a:p>
@@ -2434,7 +2434,7 @@
           <a:p>
             <a:fld id="{8DEA2CF1-0EB2-4673-802D-3371233E4A77}" type="datetime2">
               <a:rPr lang="en-US" smtClean="0"/>
-              <a:t>Sunday, March 21, 2021</a:t>
+              <a:t>Tuesday, March 23, 2021</a:t>
             </a:fld>
             <a:endParaRPr lang="en-US" dirty="0"/>
           </a:p>
@@ -2654,7 +2654,7 @@
           <a:p>
             <a:fld id="{8DEA2CF1-0EB2-4673-802D-3371233E4A77}" type="datetime2">
               <a:rPr lang="en-US" smtClean="0"/>
-              <a:t>Sunday, March 21, 2021</a:t>
+              <a:t>Tuesday, March 23, 2021</a:t>
             </a:fld>
             <a:endParaRPr lang="en-US" dirty="0"/>
           </a:p>
@@ -3834,8 +3834,8 @@
         </p:nvSpPr>
         <p:spPr>
           <a:xfrm>
-            <a:off x="461273" y="2703977"/>
-            <a:ext cx="3115265" cy="1450037"/>
+            <a:off x="326335" y="1575626"/>
+            <a:ext cx="4808311" cy="2317644"/>
           </a:xfrm>
         </p:spPr>
         <p:txBody>
@@ -3850,7 +3850,7 @@
                   <a:srgbClr val="FFFFFF"/>
                 </a:solidFill>
               </a:rPr>
-              <a:t>¿Alguna pregunta?</a:t>
+              <a:t>¿Preguntas?</a:t>
             </a:r>
           </a:p>
         </p:txBody>
@@ -6574,7 +6574,7 @@
           <a:lstStyle/>
           <a:p>
             <a:r>
-              <a:rPr lang="en-US" sz="4000" kern="1200" dirty="0">
+              <a:rPr lang="en-US" sz="4000" kern="1200">
                 <a:solidFill>
                   <a:srgbClr val="FFFFFF"/>
                 </a:solidFill>
@@ -6584,15 +6584,23 @@
               </a:rPr>
               <a:t>Diagrama UML</a:t>
             </a:r>
+            <a:endParaRPr lang="en-US" sz="4000" kern="1200" dirty="0">
+              <a:solidFill>
+                <a:srgbClr val="FFFFFF"/>
+              </a:solidFill>
+              <a:latin typeface="+mj-lt"/>
+              <a:ea typeface="+mj-ea"/>
+              <a:cs typeface="+mj-cs"/>
+            </a:endParaRPr>
           </a:p>
         </p:txBody>
       </p:sp>
       <p:pic>
         <p:nvPicPr>
-          <p:cNvPr id="9" name="Imagen 8">
+          <p:cNvPr id="4" name="Imagen 3">
             <a:extLst>
               <a:ext uri="{FF2B5EF4-FFF2-40B4-BE49-F238E27FC236}">
-                <a16:creationId xmlns:a16="http://schemas.microsoft.com/office/drawing/2014/main" id="{8AD4AF0B-2579-49C2-B92B-B8C2515D59EC}"/>
+                <a16:creationId xmlns:a16="http://schemas.microsoft.com/office/drawing/2014/main" id="{C5E20FA3-51CE-4BB0-A290-824B60E5D2F0}"/>
               </a:ext>
             </a:extLst>
           </p:cNvPr>
@@ -6615,8 +6623,8 @@
         </p:blipFill>
         <p:spPr>
           <a:xfrm>
-            <a:off x="4092193" y="1215958"/>
-            <a:ext cx="7849248" cy="5275332"/>
+            <a:off x="4077460" y="961535"/>
+            <a:ext cx="8073354" cy="5417754"/>
           </a:xfrm>
           <a:prstGeom prst="rect">
             <a:avLst/>
@@ -7178,10 +7186,10 @@
       </p:sp>
       <p:pic>
         <p:nvPicPr>
-          <p:cNvPr id="7" name="Imagen 6">
+          <p:cNvPr id="4" name="Imagen 3">
             <a:extLst>
               <a:ext uri="{FF2B5EF4-FFF2-40B4-BE49-F238E27FC236}">
-                <a16:creationId xmlns:a16="http://schemas.microsoft.com/office/drawing/2014/main" id="{DA1666F5-5C41-4016-A940-BA87B439BFD7}"/>
+                <a16:creationId xmlns:a16="http://schemas.microsoft.com/office/drawing/2014/main" id="{CDA0AC7B-FBED-4200-A37C-17E4ECBB7526}"/>
               </a:ext>
             </a:extLst>
           </p:cNvPr>
@@ -7192,13 +7200,13 @@
         </p:nvPicPr>
         <p:blipFill rotWithShape="1">
           <a:blip r:embed="rId2"/>
-          <a:srcRect r="3347"/>
+          <a:srcRect r="5238"/>
           <a:stretch/>
         </p:blipFill>
         <p:spPr>
           <a:xfrm>
-            <a:off x="4038604" y="1104430"/>
-            <a:ext cx="8153396" cy="5090644"/>
+            <a:off x="4040618" y="1001042"/>
+            <a:ext cx="8053972" cy="5020445"/>
           </a:xfrm>
           <a:prstGeom prst="rect">
             <a:avLst/>
@@ -8714,7 +8722,7 @@
         </p:nvGrpSpPr>
         <p:grpSpPr>
           <a:xfrm>
-            <a:off x="4260164" y="1770345"/>
+            <a:off x="4388837" y="1749978"/>
             <a:ext cx="5606044" cy="1131760"/>
             <a:chOff x="4192905" y="2781110"/>
             <a:chExt cx="5606044" cy="1131760"/>
@@ -8780,86 +8788,36 @@
           </p:spPr>
         </p:pic>
       </p:grpSp>
-      <p:grpSp>
-        <p:nvGrpSpPr>
-          <p:cNvPr id="20" name="Grupo 19">
+      <p:pic>
+        <p:nvPicPr>
+          <p:cNvPr id="24" name="Imagen 23">
             <a:extLst>
               <a:ext uri="{FF2B5EF4-FFF2-40B4-BE49-F238E27FC236}">
-                <a16:creationId xmlns:a16="http://schemas.microsoft.com/office/drawing/2014/main" id="{913D6F1C-F730-4186-B9E6-40BFECBF415E}"/>
+                <a16:creationId xmlns:a16="http://schemas.microsoft.com/office/drawing/2014/main" id="{8E82FC09-DC84-4A91-87A6-B3E2AF85D9C2}"/>
               </a:ext>
             </a:extLst>
           </p:cNvPr>
-          <p:cNvGrpSpPr/>
+          <p:cNvPicPr>
+            <a:picLocks noChangeAspect="1"/>
+          </p:cNvPicPr>
           <p:nvPr/>
-        </p:nvGrpSpPr>
-        <p:grpSpPr>
+        </p:nvPicPr>
+        <p:blipFill>
+          <a:blip r:embed="rId4"/>
+          <a:stretch>
+            <a:fillRect/>
+          </a:stretch>
+        </p:blipFill>
+        <p:spPr>
           <a:xfrm>
-            <a:off x="4359341" y="3267816"/>
-            <a:ext cx="5131462" cy="1064900"/>
-            <a:chOff x="4359341" y="4690133"/>
-            <a:chExt cx="5131462" cy="1064900"/>
-          </a:xfrm>
-        </p:grpSpPr>
-        <p:pic>
-          <p:nvPicPr>
-            <p:cNvPr id="11" name="Imagen 10">
-              <a:extLst>
-                <a:ext uri="{FF2B5EF4-FFF2-40B4-BE49-F238E27FC236}">
-                  <a16:creationId xmlns:a16="http://schemas.microsoft.com/office/drawing/2014/main" id="{EEFDF27C-DB75-4C27-89D1-3807820C22F8}"/>
-                </a:ext>
-              </a:extLst>
-            </p:cNvPr>
-            <p:cNvPicPr>
-              <a:picLocks noChangeAspect="1"/>
-            </p:cNvPicPr>
-            <p:nvPr/>
-          </p:nvPicPr>
-          <p:blipFill rotWithShape="1">
-            <a:blip r:embed="rId6"/>
-            <a:srcRect b="21024"/>
-            <a:stretch/>
-          </p:blipFill>
-          <p:spPr>
-            <a:xfrm>
-              <a:off x="4359341" y="4690133"/>
-              <a:ext cx="4962783" cy="1064900"/>
-            </a:xfrm>
-            <a:prstGeom prst="rect">
-              <a:avLst/>
-            </a:prstGeom>
-          </p:spPr>
-        </p:pic>
-        <p:pic>
-          <p:nvPicPr>
-            <p:cNvPr id="24" name="Imagen 23">
-              <a:extLst>
-                <a:ext uri="{FF2B5EF4-FFF2-40B4-BE49-F238E27FC236}">
-                  <a16:creationId xmlns:a16="http://schemas.microsoft.com/office/drawing/2014/main" id="{8E82FC09-DC84-4A91-87A6-B3E2AF85D9C2}"/>
-                </a:ext>
-              </a:extLst>
-            </p:cNvPr>
-            <p:cNvPicPr>
-              <a:picLocks noChangeAspect="1"/>
-            </p:cNvPicPr>
-            <p:nvPr/>
-          </p:nvPicPr>
-          <p:blipFill>
-            <a:blip r:embed="rId4"/>
-            <a:stretch>
-              <a:fillRect/>
-            </a:stretch>
-          </p:blipFill>
-          <p:spPr>
-            <a:xfrm>
-              <a:off x="6586608" y="4692137"/>
-              <a:ext cx="2904195" cy="408402"/>
-            </a:xfrm>
-            <a:prstGeom prst="rect">
-              <a:avLst/>
-            </a:prstGeom>
-          </p:spPr>
-        </p:pic>
-      </p:grpSp>
+            <a:off x="6586608" y="3269820"/>
+            <a:ext cx="2904195" cy="408402"/>
+          </a:xfrm>
+          <a:prstGeom prst="roundRect">
+            <a:avLst/>
+          </a:prstGeom>
+        </p:spPr>
+      </p:pic>
       <p:grpSp>
         <p:nvGrpSpPr>
           <p:cNvPr id="28" name="Grupo 27">
@@ -8895,7 +8853,7 @@
             <p:nvPr/>
           </p:nvPicPr>
           <p:blipFill rotWithShape="1">
-            <a:blip r:embed="rId7"/>
+            <a:blip r:embed="rId6"/>
             <a:srcRect r="9739" b="29928"/>
             <a:stretch/>
           </p:blipFill>
@@ -8924,7 +8882,7 @@
             <p:nvPr/>
           </p:nvPicPr>
           <p:blipFill>
-            <a:blip r:embed="rId8"/>
+            <a:blip r:embed="rId7"/>
             <a:stretch>
               <a:fillRect/>
             </a:stretch>
@@ -8940,6 +8898,36 @@
           </p:spPr>
         </p:pic>
       </p:grpSp>
+      <p:pic>
+        <p:nvPicPr>
+          <p:cNvPr id="4" name="Imagen 3">
+            <a:extLst>
+              <a:ext uri="{FF2B5EF4-FFF2-40B4-BE49-F238E27FC236}">
+                <a16:creationId xmlns:a16="http://schemas.microsoft.com/office/drawing/2014/main" id="{A5069A2A-A007-4E16-A478-C56D0FC6B592}"/>
+              </a:ext>
+            </a:extLst>
+          </p:cNvPr>
+          <p:cNvPicPr>
+            <a:picLocks noChangeAspect="1"/>
+          </p:cNvPicPr>
+          <p:nvPr/>
+        </p:nvPicPr>
+        <p:blipFill>
+          <a:blip r:embed="rId8"/>
+          <a:stretch>
+            <a:fillRect/>
+          </a:stretch>
+        </p:blipFill>
+        <p:spPr>
+          <a:xfrm>
+            <a:off x="4359341" y="3372201"/>
+            <a:ext cx="3800475" cy="962025"/>
+          </a:xfrm>
+          <a:prstGeom prst="rect">
+            <a:avLst/>
+          </a:prstGeom>
+        </p:spPr>
+      </p:pic>
     </p:spTree>
     <p:extLst>
       <p:ext uri="{BB962C8B-B14F-4D97-AF65-F5344CB8AC3E}">
